--- a/Магазин Сублимированных продуктов.pptx
+++ b/Магазин Сублимированных продуктов.pptx
@@ -105,6 +105,11 @@
       </a:defRPr>
     </a:lvl9pPr>
   </p:defaultTextStyle>
+  <p:extLst>
+    <p:ext uri="{EFAFB233-063F-42B5-8137-9DF3F51BA10A}">
+      <p15:sldGuideLst xmlns:p15="http://schemas.microsoft.com/office/powerpoint/2012/main"/>
+    </p:ext>
+  </p:extLst>
 </p:presentation>
 </file>
 
@@ -5947,7 +5952,7 @@
             <a:pPr algn="ctr"/>
             <a:r>
               <a:rPr lang="ru-RU" dirty="0"/>
-              <a:t>При поддержке</a:t>
+              <a:t>Преподаватель:</a:t>
             </a:r>
             <a:br>
               <a:rPr lang="ru-RU" dirty="0"/>
@@ -5973,7 +5978,7 @@
         </p:nvSpPr>
         <p:spPr>
           <a:xfrm rot="171485" flipH="1">
-            <a:off x="4941109" y="4236657"/>
+            <a:off x="4941108" y="4295397"/>
             <a:ext cx="4134204" cy="1301602"/>
           </a:xfrm>
           <a:prstGeom prst="teardrop">
@@ -6011,7 +6016,14 @@
           <a:p>
             <a:r>
               <a:rPr lang="ru-RU" dirty="0"/>
-              <a:t>Карелина Екатерина   </a:t>
+              <a:t>      Учащиеся:</a:t>
+            </a:r>
+            <a:br>
+              <a:rPr lang="ru-RU" dirty="0"/>
+            </a:br>
+            <a:r>
+              <a:rPr lang="ru-RU" dirty="0"/>
+              <a:t>Карелина Екатерина,   </a:t>
             </a:r>
             <a:br>
               <a:rPr lang="ru-RU" dirty="0"/>

--- a/Магазин Сублимированных продуктов.pptx
+++ b/Магазин Сублимированных продуктов.pptx
@@ -836,7 +836,7 @@
             <a:fld id="{B61BEF0D-F0BB-DE4B-95CE-6DB70DBA9567}" type="datetimeFigureOut">
               <a:rPr lang="en-US" dirty="0"/>
               <a:pPr/>
-              <a:t>3/13/2024</a:t>
+              <a:t>3/20/2024</a:t>
             </a:fld>
             <a:endParaRPr lang="en-US" dirty="0"/>
           </a:p>
@@ -1084,7 +1084,7 @@
             <a:fld id="{B61BEF0D-F0BB-DE4B-95CE-6DB70DBA9567}" type="datetimeFigureOut">
               <a:rPr lang="en-US" dirty="0"/>
               <a:pPr/>
-              <a:t>3/13/2024</a:t>
+              <a:t>3/20/2024</a:t>
             </a:fld>
             <a:endParaRPr lang="en-US" dirty="0"/>
           </a:p>
@@ -1395,7 +1395,7 @@
             <a:fld id="{B61BEF0D-F0BB-DE4B-95CE-6DB70DBA9567}" type="datetimeFigureOut">
               <a:rPr lang="en-US" dirty="0"/>
               <a:pPr/>
-              <a:t>3/13/2024</a:t>
+              <a:t>3/20/2024</a:t>
             </a:fld>
             <a:endParaRPr lang="en-US" dirty="0"/>
           </a:p>
@@ -1733,7 +1733,7 @@
             <a:fld id="{B61BEF0D-F0BB-DE4B-95CE-6DB70DBA9567}" type="datetimeFigureOut">
               <a:rPr lang="en-US" dirty="0"/>
               <a:pPr/>
-              <a:t>3/13/2024</a:t>
+              <a:t>3/20/2024</a:t>
             </a:fld>
             <a:endParaRPr lang="en-US" dirty="0"/>
           </a:p>
@@ -2044,7 +2044,7 @@
             <a:fld id="{B61BEF0D-F0BB-DE4B-95CE-6DB70DBA9567}" type="datetimeFigureOut">
               <a:rPr lang="en-US" dirty="0"/>
               <a:pPr/>
-              <a:t>3/13/2024</a:t>
+              <a:t>3/20/2024</a:t>
             </a:fld>
             <a:endParaRPr lang="en-US" dirty="0"/>
           </a:p>
@@ -2434,7 +2434,7 @@
             <a:fld id="{B61BEF0D-F0BB-DE4B-95CE-6DB70DBA9567}" type="datetimeFigureOut">
               <a:rPr lang="en-US" dirty="0"/>
               <a:pPr/>
-              <a:t>3/13/2024</a:t>
+              <a:t>3/20/2024</a:t>
             </a:fld>
             <a:endParaRPr lang="en-US" dirty="0"/>
           </a:p>
@@ -2600,7 +2600,7 @@
           <a:p>
             <a:fld id="{55C6B4A9-1611-4792-9094-5F34BCA07E0B}" type="datetimeFigureOut">
               <a:rPr lang="en-US" dirty="0"/>
-              <a:t>3/13/2024</a:t>
+              <a:t>3/20/2024</a:t>
             </a:fld>
             <a:endParaRPr lang="en-US" dirty="0"/>
           </a:p>
@@ -2776,7 +2776,7 @@
             <a:fld id="{B61BEF0D-F0BB-DE4B-95CE-6DB70DBA9567}" type="datetimeFigureOut">
               <a:rPr lang="en-US" dirty="0"/>
               <a:pPr/>
-              <a:t>3/13/2024</a:t>
+              <a:t>3/20/2024</a:t>
             </a:fld>
             <a:endParaRPr lang="en-US" dirty="0"/>
           </a:p>
@@ -2949,7 +2949,7 @@
             <a:fld id="{B61BEF0D-F0BB-DE4B-95CE-6DB70DBA9567}" type="datetimeFigureOut">
               <a:rPr lang="en-US" dirty="0"/>
               <a:pPr/>
-              <a:t>3/13/2024</a:t>
+              <a:t>3/20/2024</a:t>
             </a:fld>
             <a:endParaRPr lang="en-US" dirty="0"/>
           </a:p>
@@ -3193,7 +3193,7 @@
             <a:fld id="{B61BEF0D-F0BB-DE4B-95CE-6DB70DBA9567}" type="datetimeFigureOut">
               <a:rPr lang="en-US" dirty="0"/>
               <a:pPr/>
-              <a:t>3/13/2024</a:t>
+              <a:t>3/20/2024</a:t>
             </a:fld>
             <a:endParaRPr lang="en-US" dirty="0"/>
           </a:p>
@@ -3421,7 +3421,7 @@
           <a:p>
             <a:fld id="{EB712588-04B1-427B-82EE-E8DB90309F08}" type="datetimeFigureOut">
               <a:rPr lang="en-US" dirty="0"/>
-              <a:t>3/13/2024</a:t>
+              <a:t>3/20/2024</a:t>
             </a:fld>
             <a:endParaRPr lang="en-US" dirty="0"/>
           </a:p>
@@ -3791,7 +3791,7 @@
             <a:fld id="{B61BEF0D-F0BB-DE4B-95CE-6DB70DBA9567}" type="datetimeFigureOut">
               <a:rPr lang="en-US" dirty="0"/>
               <a:pPr/>
-              <a:t>3/13/2024</a:t>
+              <a:t>3/20/2024</a:t>
             </a:fld>
             <a:endParaRPr lang="en-US" dirty="0"/>
           </a:p>
@@ -3911,7 +3911,7 @@
             <a:fld id="{B61BEF0D-F0BB-DE4B-95CE-6DB70DBA9567}" type="datetimeFigureOut">
               <a:rPr lang="en-US" dirty="0"/>
               <a:pPr/>
-              <a:t>3/13/2024</a:t>
+              <a:t>3/20/2024</a:t>
             </a:fld>
             <a:endParaRPr lang="en-US" dirty="0"/>
           </a:p>
@@ -4003,7 +4003,7 @@
             <a:fld id="{B61BEF0D-F0BB-DE4B-95CE-6DB70DBA9567}" type="datetimeFigureOut">
               <a:rPr lang="en-US" dirty="0"/>
               <a:pPr/>
-              <a:t>3/13/2024</a:t>
+              <a:t>3/20/2024</a:t>
             </a:fld>
             <a:endParaRPr lang="en-US" dirty="0"/>
           </a:p>
@@ -4254,7 +4254,7 @@
           <a:p>
             <a:fld id="{42A54C80-263E-416B-A8E0-580EDEADCBDC}" type="datetimeFigureOut">
               <a:rPr lang="en-US" dirty="0"/>
-              <a:t>3/13/2024</a:t>
+              <a:t>3/20/2024</a:t>
             </a:fld>
             <a:endParaRPr lang="en-US" dirty="0"/>
           </a:p>
@@ -4513,7 +4513,7 @@
             <a:fld id="{B61BEF0D-F0BB-DE4B-95CE-6DB70DBA9567}" type="datetimeFigureOut">
               <a:rPr lang="en-US" dirty="0"/>
               <a:pPr/>
-              <a:t>3/13/2024</a:t>
+              <a:t>3/20/2024</a:t>
             </a:fld>
             <a:endParaRPr lang="en-US" dirty="0"/>
           </a:p>
@@ -5253,7 +5253,7 @@
             <a:fld id="{B61BEF0D-F0BB-DE4B-95CE-6DB70DBA9567}" type="datetimeFigureOut">
               <a:rPr lang="en-US" dirty="0"/>
               <a:pPr/>
-              <a:t>3/13/2024</a:t>
+              <a:t>3/20/2024</a:t>
             </a:fld>
             <a:endParaRPr lang="en-US" dirty="0"/>
           </a:p>
@@ -5791,7 +5791,7 @@
         </p:nvSpPr>
         <p:spPr>
           <a:xfrm>
-            <a:off x="1027761" y="2133790"/>
+            <a:off x="1338256" y="1924542"/>
             <a:ext cx="7766936" cy="1506124"/>
           </a:xfrm>
         </p:spPr>
@@ -5825,7 +5825,7 @@
         </p:nvSpPr>
         <p:spPr>
           <a:xfrm>
-            <a:off x="508262" y="3639914"/>
+            <a:off x="1338256" y="3522883"/>
             <a:ext cx="7766936" cy="907036"/>
           </a:xfrm>
           <a:effectLst>
@@ -5868,8 +5868,8 @@
         </p:nvSpPr>
         <p:spPr>
           <a:xfrm>
-            <a:off x="2027583" y="516834"/>
-            <a:ext cx="2252870" cy="901149"/>
+            <a:off x="1477222" y="407983"/>
+            <a:ext cx="1509642" cy="901149"/>
           </a:xfrm>
           <a:prstGeom prst="flowChartTerminator">
             <a:avLst/>
@@ -6057,8 +6057,8 @@
         </p:blipFill>
         <p:spPr>
           <a:xfrm>
-            <a:off x="6567211" y="103737"/>
-            <a:ext cx="2227486" cy="2227486"/>
+            <a:off x="7285055" y="103736"/>
+            <a:ext cx="1509642" cy="1509642"/>
           </a:xfrm>
           <a:prstGeom prst="rect">
             <a:avLst/>

--- a/Магазин Сублимированных продуктов.pptx
+++ b/Магазин Сублимированных продуктов.pptx
@@ -7,6 +7,13 @@
   <p:sldIdLst>
     <p:sldId id="256" r:id="rId2"/>
     <p:sldId id="257" r:id="rId3"/>
+    <p:sldId id="258" r:id="rId4"/>
+    <p:sldId id="265" r:id="rId5"/>
+    <p:sldId id="267" r:id="rId6"/>
+    <p:sldId id="264" r:id="rId7"/>
+    <p:sldId id="263" r:id="rId8"/>
+    <p:sldId id="262" r:id="rId9"/>
+    <p:sldId id="266" r:id="rId10"/>
   </p:sldIdLst>
   <p:sldSz cx="12192000" cy="6858000"/>
   <p:notesSz cx="6858000" cy="9144000"/>
@@ -5868,8 +5875,8 @@
         </p:nvSpPr>
         <p:spPr>
           <a:xfrm>
-            <a:off x="1477222" y="407983"/>
-            <a:ext cx="1509642" cy="901149"/>
+            <a:off x="1059211" y="417237"/>
+            <a:ext cx="1344355" cy="901149"/>
           </a:xfrm>
           <a:prstGeom prst="flowChartTerminator">
             <a:avLst/>
@@ -5897,7 +5904,7 @@
           <a:p>
             <a:pPr algn="ctr"/>
             <a:r>
-              <a:rPr lang="en-US" sz="2800" dirty="0"/>
+              <a:rPr lang="en-US" sz="2400" dirty="0"/>
               <a:t>CUBLIM</a:t>
             </a:r>
             <a:endParaRPr lang="ru-RU" sz="2800" dirty="0"/>
@@ -6057,8 +6064,8 @@
         </p:blipFill>
         <p:spPr>
           <a:xfrm>
-            <a:off x="7285055" y="103736"/>
-            <a:ext cx="1509642" cy="1509642"/>
+            <a:off x="7595550" y="111822"/>
+            <a:ext cx="1509642" cy="1351218"/>
           </a:xfrm>
           <a:prstGeom prst="rect">
             <a:avLst/>
@@ -6111,12 +6118,21 @@
             <p:ph type="title"/>
           </p:nvPr>
         </p:nvSpPr>
-        <p:spPr/>
+        <p:spPr>
+          <a:xfrm>
+            <a:off x="1904929" y="278675"/>
+            <a:ext cx="6141477" cy="748938"/>
+          </a:xfrm>
+        </p:spPr>
         <p:txBody>
           <a:bodyPr/>
           <a:lstStyle/>
           <a:p>
-            <a:endParaRPr lang="ru-RU"/>
+            <a:pPr algn="ctr"/>
+            <a:r>
+              <a:rPr lang="ru-RU" u="sng" dirty="0"/>
+              <a:t>Краткая постановка задачи</a:t>
+            </a:r>
           </a:p>
         </p:txBody>
       </p:sp>
@@ -6136,12 +6152,180 @@
             <p:ph idx="1"/>
           </p:nvPr>
         </p:nvSpPr>
-        <p:spPr/>
-        <p:txBody>
-          <a:bodyPr/>
-          <a:lstStyle/>
-          <a:p>
-            <a:endParaRPr lang="ru-RU"/>
+        <p:spPr>
+          <a:xfrm>
+            <a:off x="677334" y="1367247"/>
+            <a:ext cx="8596668" cy="4674116"/>
+          </a:xfrm>
+        </p:spPr>
+        <p:txBody>
+          <a:bodyPr>
+            <a:normAutofit/>
+          </a:bodyPr>
+          <a:lstStyle/>
+          <a:p>
+            <a:pPr marL="0" indent="0" algn="ctr">
+              <a:buNone/>
+            </a:pPr>
+            <a:r>
+              <a:rPr lang="ru-RU" sz="2000" b="1" dirty="0">
+                <a:solidFill>
+                  <a:schemeClr val="accent2">
+                    <a:lumMod val="75000"/>
+                  </a:schemeClr>
+                </a:solidFill>
+                <a:effectLst>
+                  <a:outerShdw blurRad="38100" dist="38100" dir="2700000" algn="tl">
+                    <a:srgbClr val="000000">
+                      <a:alpha val="43137"/>
+                    </a:srgbClr>
+                  </a:outerShdw>
+                </a:effectLst>
+              </a:rPr>
+              <a:t>  </a:t>
+            </a:r>
+            <a:r>
+              <a:rPr lang="ru-RU" sz="3600" b="1" dirty="0">
+                <a:solidFill>
+                  <a:srgbClr val="27BF44"/>
+                </a:solidFill>
+                <a:effectLst>
+                  <a:outerShdw blurRad="38100" dist="38100" dir="2700000" algn="tl">
+                    <a:srgbClr val="000000">
+                      <a:alpha val="43137"/>
+                    </a:srgbClr>
+                  </a:outerShdw>
+                </a:effectLst>
+              </a:rPr>
+              <a:t>Задача:</a:t>
+            </a:r>
+            <a:endParaRPr lang="ru-RU" sz="2000" dirty="0">
+              <a:solidFill>
+                <a:srgbClr val="27BF44"/>
+              </a:solidFill>
+            </a:endParaRPr>
+          </a:p>
+          <a:p>
+            <a:r>
+              <a:rPr lang="ru-RU" sz="2000" dirty="0"/>
+              <a:t>Создать сайт, соответствующий запросу клиента.</a:t>
+            </a:r>
+          </a:p>
+          <a:p>
+            <a:pPr marL="0" indent="0">
+              <a:buNone/>
+            </a:pPr>
+            <a:endParaRPr lang="ru-RU" sz="2000" dirty="0"/>
+          </a:p>
+          <a:p>
+            <a:r>
+              <a:rPr lang="ru-RU" sz="2000" dirty="0"/>
+              <a:t>Тип сайта: интернет-магазин СУБЛИМИРОВАННЫХ ПРОДУКТОВ.</a:t>
+            </a:r>
+          </a:p>
+          <a:p>
+            <a:pPr marL="0" indent="0">
+              <a:buNone/>
+            </a:pPr>
+            <a:endParaRPr lang="ru-RU" sz="2000" dirty="0"/>
+          </a:p>
+          <a:p>
+            <a:r>
+              <a:rPr lang="ru-RU" sz="2000" dirty="0"/>
+              <a:t>Сайт создавался так, чтобы в будущем было несложно добавлять производимую продукцию, и изменять соответствующие к ней характеристики.</a:t>
+            </a:r>
+          </a:p>
+          <a:p>
+            <a:pPr marL="0" indent="0">
+              <a:buNone/>
+            </a:pPr>
+            <a:endParaRPr lang="ru-RU" sz="2000" dirty="0"/>
+          </a:p>
+          <a:p>
+            <a:r>
+              <a:rPr lang="ru-RU" sz="2000" dirty="0"/>
+              <a:t>Так же мы подключили чат-бот, через который можно будет (пока у магазина не появится расчетный счет) осуществлять платежи.</a:t>
+            </a:r>
+          </a:p>
+        </p:txBody>
+      </p:sp>
+      <p:pic>
+        <p:nvPicPr>
+          <p:cNvPr id="5" name="Рисунок 4">
+            <a:extLst>
+              <a:ext uri="{FF2B5EF4-FFF2-40B4-BE49-F238E27FC236}">
+                <a16:creationId xmlns:a16="http://schemas.microsoft.com/office/drawing/2014/main" id="{7A4C52BB-0BE2-0B2E-E56A-6E411E5E8049}"/>
+              </a:ext>
+            </a:extLst>
+          </p:cNvPr>
+          <p:cNvPicPr>
+            <a:picLocks noChangeAspect="1"/>
+          </p:cNvPicPr>
+          <p:nvPr/>
+        </p:nvPicPr>
+        <p:blipFill>
+          <a:blip r:embed="rId2"/>
+          <a:stretch>
+            <a:fillRect/>
+          </a:stretch>
+        </p:blipFill>
+        <p:spPr>
+          <a:xfrm>
+            <a:off x="8046406" y="278675"/>
+            <a:ext cx="1074860" cy="966654"/>
+          </a:xfrm>
+          <a:prstGeom prst="rect">
+            <a:avLst/>
+          </a:prstGeom>
+        </p:spPr>
+      </p:pic>
+      <p:sp>
+        <p:nvSpPr>
+          <p:cNvPr id="6" name="Блок-схема: знак завершения 5">
+            <a:extLst>
+              <a:ext uri="{FF2B5EF4-FFF2-40B4-BE49-F238E27FC236}">
+                <a16:creationId xmlns:a16="http://schemas.microsoft.com/office/drawing/2014/main" id="{A2E66C1C-36FE-EDFD-E8E8-F108D793434D}"/>
+              </a:ext>
+            </a:extLst>
+          </p:cNvPr>
+          <p:cNvSpPr/>
+          <p:nvPr/>
+        </p:nvSpPr>
+        <p:spPr>
+          <a:xfrm>
+            <a:off x="513805" y="278675"/>
+            <a:ext cx="1391123" cy="901149"/>
+          </a:xfrm>
+          <a:prstGeom prst="flowChartTerminator">
+            <a:avLst/>
+          </a:prstGeom>
+        </p:spPr>
+        <p:style>
+          <a:lnRef idx="2">
+            <a:schemeClr val="accent1">
+              <a:shade val="15000"/>
+            </a:schemeClr>
+          </a:lnRef>
+          <a:fillRef idx="1">
+            <a:schemeClr val="accent1"/>
+          </a:fillRef>
+          <a:effectRef idx="0">
+            <a:schemeClr val="accent1"/>
+          </a:effectRef>
+          <a:fontRef idx="minor">
+            <a:schemeClr val="lt1"/>
+          </a:fontRef>
+        </p:style>
+        <p:txBody>
+          <a:bodyPr rtlCol="0" anchor="ctr"/>
+          <a:lstStyle/>
+          <a:p>
+            <a:pPr algn="ctr"/>
+            <a:r>
+              <a:rPr lang="en-US" sz="2400" dirty="0"/>
+              <a:t>CUBLIM</a:t>
+            </a:r>
+            <a:endParaRPr lang="ru-RU" sz="2400" dirty="0"/>
           </a:p>
         </p:txBody>
       </p:sp>
@@ -6149,6 +6333,1854 @@
     <p:extLst>
       <p:ext uri="{BB962C8B-B14F-4D97-AF65-F5344CB8AC3E}">
         <p14:creationId xmlns:p14="http://schemas.microsoft.com/office/powerpoint/2010/main" val="1043270998"/>
+      </p:ext>
+    </p:extLst>
+  </p:cSld>
+  <p:clrMapOvr>
+    <a:masterClrMapping/>
+  </p:clrMapOvr>
+</p:sld>
+</file>
+
+<file path=ppt/slides/slide3.xml><?xml version="1.0" encoding="utf-8"?>
+<p:sld xmlns:a="http://schemas.openxmlformats.org/drawingml/2006/main" xmlns:r="http://schemas.openxmlformats.org/officeDocument/2006/relationships" xmlns:p="http://schemas.openxmlformats.org/presentationml/2006/main">
+  <p:cSld>
+    <p:spTree>
+      <p:nvGrpSpPr>
+        <p:cNvPr id="1" name=""/>
+        <p:cNvGrpSpPr/>
+        <p:nvPr/>
+      </p:nvGrpSpPr>
+      <p:grpSpPr>
+        <a:xfrm>
+          <a:off x="0" y="0"/>
+          <a:ext cx="0" cy="0"/>
+          <a:chOff x="0" y="0"/>
+          <a:chExt cx="0" cy="0"/>
+        </a:xfrm>
+      </p:grpSpPr>
+      <p:sp>
+        <p:nvSpPr>
+          <p:cNvPr id="2" name="Заголовок 1">
+            <a:extLst>
+              <a:ext uri="{FF2B5EF4-FFF2-40B4-BE49-F238E27FC236}">
+                <a16:creationId xmlns:a16="http://schemas.microsoft.com/office/drawing/2014/main" id="{701D04B7-F880-12DA-705E-95A41CC96803}"/>
+              </a:ext>
+            </a:extLst>
+          </p:cNvPr>
+          <p:cNvSpPr>
+            <a:spLocks noGrp="1"/>
+          </p:cNvSpPr>
+          <p:nvPr>
+            <p:ph type="title"/>
+          </p:nvPr>
+        </p:nvSpPr>
+        <p:spPr>
+          <a:xfrm>
+            <a:off x="3359370" y="213170"/>
+            <a:ext cx="3199124" cy="966654"/>
+          </a:xfrm>
+        </p:spPr>
+        <p:txBody>
+          <a:bodyPr>
+            <a:normAutofit/>
+          </a:bodyPr>
+          <a:lstStyle/>
+          <a:p>
+            <a:pPr algn="ctr"/>
+            <a:r>
+              <a:rPr lang="ru-RU" sz="2400" u="sng" dirty="0"/>
+              <a:t>Список задач </a:t>
+            </a:r>
+            <a:br>
+              <a:rPr lang="ru-RU" sz="2400" dirty="0"/>
+            </a:br>
+            <a:r>
+              <a:rPr lang="ru-RU" sz="2400" dirty="0"/>
+              <a:t>(подробнее)</a:t>
+            </a:r>
+          </a:p>
+        </p:txBody>
+      </p:sp>
+      <p:sp>
+        <p:nvSpPr>
+          <p:cNvPr id="3" name="Объект 2">
+            <a:extLst>
+              <a:ext uri="{FF2B5EF4-FFF2-40B4-BE49-F238E27FC236}">
+                <a16:creationId xmlns:a16="http://schemas.microsoft.com/office/drawing/2014/main" id="{115263C0-3097-F51E-579B-8E9E404099B4}"/>
+              </a:ext>
+            </a:extLst>
+          </p:cNvPr>
+          <p:cNvSpPr>
+            <a:spLocks noGrp="1"/>
+          </p:cNvSpPr>
+          <p:nvPr>
+            <p:ph idx="1"/>
+          </p:nvPr>
+        </p:nvSpPr>
+        <p:spPr>
+          <a:xfrm>
+            <a:off x="480336" y="1179824"/>
+            <a:ext cx="9796178" cy="5399501"/>
+          </a:xfrm>
+        </p:spPr>
+        <p:txBody>
+          <a:bodyPr numCol="2">
+            <a:normAutofit/>
+          </a:bodyPr>
+          <a:lstStyle/>
+          <a:p>
+            <a:endParaRPr lang="en-US" dirty="0"/>
+          </a:p>
+          <a:p>
+            <a:r>
+              <a:rPr lang="ru-RU" b="1" dirty="0">
+                <a:solidFill>
+                  <a:schemeClr val="accent5">
+                    <a:lumMod val="60000"/>
+                    <a:lumOff val="40000"/>
+                  </a:schemeClr>
+                </a:solidFill>
+              </a:rPr>
+              <a:t>1. </a:t>
+            </a:r>
+            <a:r>
+              <a:rPr lang="ru-RU" dirty="0"/>
+              <a:t>Создали директории, среды, подключение репозитория</a:t>
+            </a:r>
+            <a:endParaRPr lang="en-US" dirty="0"/>
+          </a:p>
+          <a:p>
+            <a:r>
+              <a:rPr lang="ru-RU" b="1" dirty="0">
+                <a:solidFill>
+                  <a:schemeClr val="accent5">
+                    <a:lumMod val="60000"/>
+                    <a:lumOff val="40000"/>
+                  </a:schemeClr>
+                </a:solidFill>
+              </a:rPr>
+              <a:t>2. </a:t>
+            </a:r>
+            <a:r>
+              <a:rPr lang="ru-RU" dirty="0"/>
+              <a:t>Создали приложение «</a:t>
+            </a:r>
+            <a:r>
+              <a:rPr lang="ru-RU" dirty="0" err="1"/>
+              <a:t>Sublim</a:t>
+            </a:r>
+            <a:r>
+              <a:rPr lang="ru-RU" dirty="0"/>
+              <a:t>»</a:t>
+            </a:r>
+          </a:p>
+          <a:p>
+            <a:r>
+              <a:rPr lang="ru-RU" b="1" dirty="0">
+                <a:solidFill>
+                  <a:schemeClr val="accent5">
+                    <a:lumMod val="60000"/>
+                    <a:lumOff val="40000"/>
+                  </a:schemeClr>
+                </a:solidFill>
+              </a:rPr>
+              <a:t>3. </a:t>
+            </a:r>
+            <a:r>
+              <a:rPr lang="ru-RU" dirty="0"/>
+              <a:t>Создали классы для БД, миграции</a:t>
+            </a:r>
+            <a:r>
+              <a:rPr lang="en-US" dirty="0"/>
+              <a:t>.</a:t>
+            </a:r>
+            <a:r>
+              <a:rPr lang="ru-RU" dirty="0"/>
+              <a:t> </a:t>
+            </a:r>
+            <a:endParaRPr lang="en-US" dirty="0"/>
+          </a:p>
+          <a:p>
+            <a:r>
+              <a:rPr lang="ru-RU" b="1" dirty="0">
+                <a:solidFill>
+                  <a:schemeClr val="accent5">
+                    <a:lumMod val="60000"/>
+                    <a:lumOff val="40000"/>
+                  </a:schemeClr>
+                </a:solidFill>
+              </a:rPr>
+              <a:t>4. </a:t>
+            </a:r>
+            <a:r>
+              <a:rPr lang="ru-RU" dirty="0"/>
+              <a:t>Создали модели, описывающие структуру, необходимую приложению.</a:t>
+            </a:r>
+          </a:p>
+          <a:p>
+            <a:r>
+              <a:rPr lang="ru-RU" b="1" dirty="0">
+                <a:solidFill>
+                  <a:schemeClr val="accent5">
+                    <a:lumMod val="60000"/>
+                    <a:lumOff val="40000"/>
+                  </a:schemeClr>
+                </a:solidFill>
+              </a:rPr>
+              <a:t>5. </a:t>
+            </a:r>
+            <a:r>
+              <a:rPr lang="ru-RU" dirty="0"/>
+              <a:t>Зарегистрировали в admin.py табличку, чтоб потом её заполнять.</a:t>
+            </a:r>
+          </a:p>
+          <a:p>
+            <a:r>
+              <a:rPr lang="ru-RU" b="1" dirty="0">
+                <a:solidFill>
+                  <a:schemeClr val="accent5">
+                    <a:lumMod val="60000"/>
+                    <a:lumOff val="40000"/>
+                  </a:schemeClr>
+                </a:solidFill>
+              </a:rPr>
+              <a:t>6. </a:t>
+            </a:r>
+            <a:r>
+              <a:rPr lang="ru-RU" dirty="0"/>
+              <a:t>В </a:t>
+            </a:r>
+            <a:r>
+              <a:rPr lang="ru-RU" dirty="0" err="1"/>
+              <a:t>templates</a:t>
+            </a:r>
+            <a:r>
+              <a:rPr lang="ru-RU" dirty="0"/>
+              <a:t> создали файлы </a:t>
+            </a:r>
+            <a:r>
+              <a:rPr lang="ru-RU" dirty="0" err="1"/>
+              <a:t>html</a:t>
+            </a:r>
+            <a:r>
+              <a:rPr lang="ru-RU" dirty="0"/>
+              <a:t>.</a:t>
+            </a:r>
+          </a:p>
+          <a:p>
+            <a:r>
+              <a:rPr lang="ru-RU" b="1" dirty="0">
+                <a:solidFill>
+                  <a:schemeClr val="accent5">
+                    <a:lumMod val="60000"/>
+                    <a:lumOff val="40000"/>
+                  </a:schemeClr>
+                </a:solidFill>
+              </a:rPr>
+              <a:t>7. </a:t>
+            </a:r>
+            <a:r>
+              <a:rPr lang="ru-RU" dirty="0"/>
+              <a:t>Во views.py создали функции, возвращающие представления на сайт.</a:t>
+            </a:r>
+          </a:p>
+          <a:p>
+            <a:r>
+              <a:rPr lang="ru-RU" b="1" dirty="0">
+                <a:solidFill>
+                  <a:schemeClr val="accent5">
+                    <a:lumMod val="60000"/>
+                    <a:lumOff val="40000"/>
+                  </a:schemeClr>
+                </a:solidFill>
+              </a:rPr>
+              <a:t>8. </a:t>
+            </a:r>
+            <a:r>
+              <a:rPr lang="ru-RU" dirty="0"/>
+              <a:t>В admin.py добавили список приложений и зарегистрировали их.</a:t>
+            </a:r>
+          </a:p>
+          <a:p>
+            <a:r>
+              <a:rPr lang="ru-RU" b="1" dirty="0">
+                <a:solidFill>
+                  <a:schemeClr val="accent5">
+                    <a:lumMod val="60000"/>
+                    <a:lumOff val="40000"/>
+                  </a:schemeClr>
+                </a:solidFill>
+              </a:rPr>
+              <a:t>9. </a:t>
+            </a:r>
+            <a:r>
+              <a:rPr lang="ru-RU" dirty="0"/>
+              <a:t>В urls.py путь к приложению.</a:t>
+            </a:r>
+            <a:endParaRPr lang="en-US" dirty="0"/>
+          </a:p>
+          <a:p>
+            <a:pPr marL="0" indent="0">
+              <a:buNone/>
+            </a:pPr>
+            <a:endParaRPr lang="ru-RU" dirty="0"/>
+          </a:p>
+          <a:p>
+            <a:r>
+              <a:rPr lang="ru-RU" b="1" dirty="0">
+                <a:solidFill>
+                  <a:schemeClr val="accent5">
+                    <a:lumMod val="60000"/>
+                    <a:lumOff val="40000"/>
+                  </a:schemeClr>
+                </a:solidFill>
+              </a:rPr>
+              <a:t>10. </a:t>
+            </a:r>
+            <a:r>
+              <a:rPr lang="ru-RU" dirty="0"/>
+              <a:t>Прописали </a:t>
+            </a:r>
+            <a:r>
+              <a:rPr lang="ru-RU" dirty="0" err="1"/>
+              <a:t>favicon</a:t>
+            </a:r>
+            <a:r>
+              <a:rPr lang="ru-RU" dirty="0"/>
+              <a:t> на сайте проекта.</a:t>
+            </a:r>
+          </a:p>
+          <a:p>
+            <a:r>
+              <a:rPr lang="ru-RU" b="1" dirty="0">
+                <a:solidFill>
+                  <a:schemeClr val="accent5">
+                    <a:lumMod val="60000"/>
+                    <a:lumOff val="40000"/>
+                  </a:schemeClr>
+                </a:solidFill>
+              </a:rPr>
+              <a:t>11. </a:t>
+            </a:r>
+            <a:r>
+              <a:rPr lang="ru-RU" dirty="0"/>
+              <a:t>Реализовали необходимую вёрстку в </a:t>
+            </a:r>
+            <a:r>
+              <a:rPr lang="en-US" dirty="0"/>
+              <a:t>html.</a:t>
+            </a:r>
+            <a:endParaRPr lang="ru-RU" dirty="0"/>
+          </a:p>
+          <a:p>
+            <a:r>
+              <a:rPr lang="ru-RU" b="1" dirty="0">
+                <a:solidFill>
+                  <a:schemeClr val="accent5">
+                    <a:lumMod val="60000"/>
+                    <a:lumOff val="40000"/>
+                  </a:schemeClr>
+                </a:solidFill>
+              </a:rPr>
+              <a:t>12. </a:t>
+            </a:r>
+            <a:r>
+              <a:rPr lang="ru-RU" dirty="0"/>
+              <a:t>Создали директорию </a:t>
+            </a:r>
+            <a:r>
+              <a:rPr lang="ru-RU" dirty="0" err="1"/>
+              <a:t>media</a:t>
+            </a:r>
+            <a:r>
+              <a:rPr lang="ru-RU" dirty="0"/>
+              <a:t> и </a:t>
+            </a:r>
+            <a:r>
+              <a:rPr lang="en-US" dirty="0"/>
+              <a:t>static.</a:t>
+            </a:r>
+            <a:endParaRPr lang="ru-RU" dirty="0"/>
+          </a:p>
+          <a:p>
+            <a:r>
+              <a:rPr lang="ru-RU" b="1" dirty="0">
+                <a:solidFill>
+                  <a:schemeClr val="accent5">
+                    <a:lumMod val="60000"/>
+                    <a:lumOff val="40000"/>
+                  </a:schemeClr>
+                </a:solidFill>
+              </a:rPr>
+              <a:t>13. </a:t>
+            </a:r>
+            <a:r>
+              <a:rPr lang="ru-RU" dirty="0"/>
+              <a:t>Заполнили </a:t>
+            </a:r>
+            <a:r>
+              <a:rPr lang="ru-RU" dirty="0" err="1"/>
+              <a:t>css</a:t>
+            </a:r>
+            <a:r>
+              <a:rPr lang="ru-RU" dirty="0"/>
+              <a:t> и связали его с </a:t>
+            </a:r>
+            <a:r>
+              <a:rPr lang="ru-RU" dirty="0" err="1"/>
+              <a:t>html</a:t>
+            </a:r>
+            <a:r>
+              <a:rPr lang="ru-RU" dirty="0"/>
+              <a:t> файлами.</a:t>
+            </a:r>
+          </a:p>
+          <a:p>
+            <a:r>
+              <a:rPr lang="ru-RU" b="1" dirty="0">
+                <a:solidFill>
+                  <a:schemeClr val="accent5">
+                    <a:lumMod val="60000"/>
+                    <a:lumOff val="40000"/>
+                  </a:schemeClr>
+                </a:solidFill>
+              </a:rPr>
+              <a:t>14. </a:t>
+            </a:r>
+            <a:r>
+              <a:rPr lang="ru-RU" dirty="0"/>
+              <a:t>Создание чат бота в </a:t>
+            </a:r>
+            <a:r>
+              <a:rPr lang="en-US" dirty="0"/>
+              <a:t>telegram.</a:t>
+            </a:r>
+            <a:endParaRPr lang="ru-RU" dirty="0"/>
+          </a:p>
+          <a:p>
+            <a:r>
+              <a:rPr lang="ru-RU" b="1" dirty="0">
+                <a:solidFill>
+                  <a:schemeClr val="accent5">
+                    <a:lumMod val="60000"/>
+                    <a:lumOff val="40000"/>
+                  </a:schemeClr>
+                </a:solidFill>
+              </a:rPr>
+              <a:t>1</a:t>
+            </a:r>
+            <a:r>
+              <a:rPr lang="en-US" b="1" dirty="0">
+                <a:solidFill>
+                  <a:schemeClr val="accent5">
+                    <a:lumMod val="60000"/>
+                    <a:lumOff val="40000"/>
+                  </a:schemeClr>
+                </a:solidFill>
+              </a:rPr>
+              <a:t>5</a:t>
+            </a:r>
+            <a:r>
+              <a:rPr lang="ru-RU" b="1" dirty="0">
+                <a:solidFill>
+                  <a:schemeClr val="accent5">
+                    <a:lumMod val="60000"/>
+                    <a:lumOff val="40000"/>
+                  </a:schemeClr>
+                </a:solidFill>
+              </a:rPr>
+              <a:t>. </a:t>
+            </a:r>
+            <a:r>
+              <a:rPr lang="ru-RU" dirty="0"/>
+              <a:t>Проверка сделанного для устранения ошибок!!! </a:t>
+            </a:r>
+            <a:endParaRPr lang="en-US" dirty="0"/>
+          </a:p>
+          <a:p>
+            <a:r>
+              <a:rPr lang="ru-RU" b="1" dirty="0">
+                <a:solidFill>
+                  <a:schemeClr val="accent5">
+                    <a:lumMod val="60000"/>
+                    <a:lumOff val="40000"/>
+                  </a:schemeClr>
+                </a:solidFill>
+              </a:rPr>
+              <a:t>19. </a:t>
+            </a:r>
+            <a:r>
+              <a:rPr lang="ru-RU" dirty="0"/>
+              <a:t>Окончательная отладка</a:t>
+            </a:r>
+            <a:r>
+              <a:rPr lang="en-US" dirty="0"/>
+              <a:t>.</a:t>
+            </a:r>
+            <a:endParaRPr lang="ru-RU" dirty="0"/>
+          </a:p>
+          <a:p>
+            <a:r>
+              <a:rPr lang="ru-RU" b="1" dirty="0">
+                <a:solidFill>
+                  <a:schemeClr val="accent5">
+                    <a:lumMod val="60000"/>
+                    <a:lumOff val="40000"/>
+                  </a:schemeClr>
+                </a:solidFill>
+              </a:rPr>
+              <a:t>20. </a:t>
+            </a:r>
+            <a:r>
+              <a:rPr lang="ru-RU" sz="2000" b="1" dirty="0">
+                <a:solidFill>
+                  <a:srgbClr val="27BF44"/>
+                </a:solidFill>
+                <a:effectLst>
+                  <a:outerShdw blurRad="38100" dist="38100" dir="2700000" algn="tl">
+                    <a:srgbClr val="000000">
+                      <a:alpha val="43137"/>
+                    </a:srgbClr>
+                  </a:outerShdw>
+                </a:effectLst>
+              </a:rPr>
+              <a:t>ВУАЛЯ! </a:t>
+            </a:r>
+            <a:br>
+              <a:rPr lang="ru-RU" sz="2000" b="1" dirty="0">
+                <a:solidFill>
+                  <a:schemeClr val="accent2">
+                    <a:lumMod val="60000"/>
+                    <a:lumOff val="40000"/>
+                  </a:schemeClr>
+                </a:solidFill>
+                <a:effectLst>
+                  <a:outerShdw blurRad="38100" dist="38100" dir="2700000" algn="tl">
+                    <a:srgbClr val="000000">
+                      <a:alpha val="43137"/>
+                    </a:srgbClr>
+                  </a:outerShdw>
+                </a:effectLst>
+              </a:rPr>
+            </a:br>
+            <a:r>
+              <a:rPr lang="ru-RU" sz="2400" b="1" dirty="0">
+                <a:solidFill>
+                  <a:srgbClr val="27BF44"/>
+                </a:solidFill>
+                <a:effectLst>
+                  <a:outerShdw blurRad="38100" dist="38100" dir="2700000" algn="tl">
+                    <a:srgbClr val="000000">
+                      <a:alpha val="43137"/>
+                    </a:srgbClr>
+                  </a:outerShdw>
+                </a:effectLst>
+                <a:latin typeface="Comic Sans MS" panose="030F0702030302020204" pitchFamily="66" charset="0"/>
+              </a:rPr>
+              <a:t>Наш проект готов! </a:t>
+            </a:r>
+            <a:endParaRPr lang="ru-RU" b="1" dirty="0">
+              <a:solidFill>
+                <a:srgbClr val="27BF44"/>
+              </a:solidFill>
+              <a:effectLst>
+                <a:outerShdw blurRad="38100" dist="38100" dir="2700000" algn="tl">
+                  <a:srgbClr val="000000">
+                    <a:alpha val="43137"/>
+                  </a:srgbClr>
+                </a:outerShdw>
+              </a:effectLst>
+              <a:latin typeface="Comic Sans MS" panose="030F0702030302020204" pitchFamily="66" charset="0"/>
+            </a:endParaRPr>
+          </a:p>
+        </p:txBody>
+      </p:sp>
+      <p:sp>
+        <p:nvSpPr>
+          <p:cNvPr id="4" name="Блок-схема: знак завершения 3">
+            <a:extLst>
+              <a:ext uri="{FF2B5EF4-FFF2-40B4-BE49-F238E27FC236}">
+                <a16:creationId xmlns:a16="http://schemas.microsoft.com/office/drawing/2014/main" id="{266EC912-975D-B19E-3ED0-65661852576F}"/>
+              </a:ext>
+            </a:extLst>
+          </p:cNvPr>
+          <p:cNvSpPr/>
+          <p:nvPr/>
+        </p:nvSpPr>
+        <p:spPr>
+          <a:xfrm>
+            <a:off x="480335" y="213170"/>
+            <a:ext cx="1391123" cy="901149"/>
+          </a:xfrm>
+          <a:prstGeom prst="flowChartTerminator">
+            <a:avLst/>
+          </a:prstGeom>
+        </p:spPr>
+        <p:style>
+          <a:lnRef idx="2">
+            <a:schemeClr val="accent1">
+              <a:shade val="15000"/>
+            </a:schemeClr>
+          </a:lnRef>
+          <a:fillRef idx="1">
+            <a:schemeClr val="accent1"/>
+          </a:fillRef>
+          <a:effectRef idx="0">
+            <a:schemeClr val="accent1"/>
+          </a:effectRef>
+          <a:fontRef idx="minor">
+            <a:schemeClr val="lt1"/>
+          </a:fontRef>
+        </p:style>
+        <p:txBody>
+          <a:bodyPr rtlCol="0" anchor="ctr"/>
+          <a:lstStyle/>
+          <a:p>
+            <a:pPr algn="ctr"/>
+            <a:r>
+              <a:rPr lang="en-US" sz="2400" dirty="0"/>
+              <a:t>CUBLIM</a:t>
+            </a:r>
+            <a:endParaRPr lang="ru-RU" sz="2400" dirty="0"/>
+          </a:p>
+        </p:txBody>
+      </p:sp>
+      <p:pic>
+        <p:nvPicPr>
+          <p:cNvPr id="5" name="Рисунок 4">
+            <a:extLst>
+              <a:ext uri="{FF2B5EF4-FFF2-40B4-BE49-F238E27FC236}">
+                <a16:creationId xmlns:a16="http://schemas.microsoft.com/office/drawing/2014/main" id="{51E2E436-40C0-B926-D510-4BAD3892CBC8}"/>
+              </a:ext>
+            </a:extLst>
+          </p:cNvPr>
+          <p:cNvPicPr>
+            <a:picLocks noChangeAspect="1"/>
+          </p:cNvPicPr>
+          <p:nvPr/>
+        </p:nvPicPr>
+        <p:blipFill>
+          <a:blip r:embed="rId2"/>
+          <a:stretch>
+            <a:fillRect/>
+          </a:stretch>
+        </p:blipFill>
+        <p:spPr>
+          <a:xfrm>
+            <a:off x="8046406" y="213170"/>
+            <a:ext cx="1074860" cy="966654"/>
+          </a:xfrm>
+          <a:prstGeom prst="rect">
+            <a:avLst/>
+          </a:prstGeom>
+        </p:spPr>
+      </p:pic>
+    </p:spTree>
+    <p:extLst>
+      <p:ext uri="{BB962C8B-B14F-4D97-AF65-F5344CB8AC3E}">
+        <p14:creationId xmlns:p14="http://schemas.microsoft.com/office/powerpoint/2010/main" val="2069567030"/>
+      </p:ext>
+    </p:extLst>
+  </p:cSld>
+  <p:clrMapOvr>
+    <a:masterClrMapping/>
+  </p:clrMapOvr>
+</p:sld>
+</file>
+
+<file path=ppt/slides/slide4.xml><?xml version="1.0" encoding="utf-8"?>
+<p:sld xmlns:a="http://schemas.openxmlformats.org/drawingml/2006/main" xmlns:r="http://schemas.openxmlformats.org/officeDocument/2006/relationships" xmlns:p="http://schemas.openxmlformats.org/presentationml/2006/main">
+  <p:cSld>
+    <p:spTree>
+      <p:nvGrpSpPr>
+        <p:cNvPr id="1" name=""/>
+        <p:cNvGrpSpPr/>
+        <p:nvPr/>
+      </p:nvGrpSpPr>
+      <p:grpSpPr>
+        <a:xfrm>
+          <a:off x="0" y="0"/>
+          <a:ext cx="0" cy="0"/>
+          <a:chOff x="0" y="0"/>
+          <a:chExt cx="0" cy="0"/>
+        </a:xfrm>
+      </p:grpSpPr>
+      <p:sp>
+        <p:nvSpPr>
+          <p:cNvPr id="2" name="Заголовок 1">
+            <a:extLst>
+              <a:ext uri="{FF2B5EF4-FFF2-40B4-BE49-F238E27FC236}">
+                <a16:creationId xmlns:a16="http://schemas.microsoft.com/office/drawing/2014/main" id="{54AC61AF-108F-583F-257B-2A8A62211126}"/>
+              </a:ext>
+            </a:extLst>
+          </p:cNvPr>
+          <p:cNvSpPr>
+            <a:spLocks noGrp="1"/>
+          </p:cNvSpPr>
+          <p:nvPr>
+            <p:ph type="title"/>
+          </p:nvPr>
+        </p:nvSpPr>
+        <p:spPr>
+          <a:xfrm>
+            <a:off x="2405672" y="354566"/>
+            <a:ext cx="5144659" cy="912646"/>
+          </a:xfrm>
+        </p:spPr>
+        <p:txBody>
+          <a:bodyPr>
+            <a:normAutofit/>
+          </a:bodyPr>
+          <a:lstStyle/>
+          <a:p>
+            <a:pPr algn="ctr"/>
+            <a:r>
+              <a:rPr lang="ru-RU" sz="2800" b="1" u="sng" dirty="0"/>
+              <a:t>Схема файловой структуры</a:t>
+            </a:r>
+          </a:p>
+        </p:txBody>
+      </p:sp>
+      <p:pic>
+        <p:nvPicPr>
+          <p:cNvPr id="7" name="Объект 6">
+            <a:extLst>
+              <a:ext uri="{FF2B5EF4-FFF2-40B4-BE49-F238E27FC236}">
+                <a16:creationId xmlns:a16="http://schemas.microsoft.com/office/drawing/2014/main" id="{EDE8A98F-1637-FA4B-D1E3-731CF6747E45}"/>
+              </a:ext>
+            </a:extLst>
+          </p:cNvPr>
+          <p:cNvPicPr>
+            <a:picLocks noGrp="1" noChangeAspect="1"/>
+          </p:cNvPicPr>
+          <p:nvPr>
+            <p:ph idx="1"/>
+          </p:nvPr>
+        </p:nvPicPr>
+        <p:blipFill>
+          <a:blip r:embed="rId2"/>
+          <a:stretch>
+            <a:fillRect/>
+          </a:stretch>
+        </p:blipFill>
+        <p:spPr>
+          <a:xfrm>
+            <a:off x="1593667" y="1491884"/>
+            <a:ext cx="6757851" cy="5198831"/>
+          </a:xfrm>
+        </p:spPr>
+      </p:pic>
+      <p:sp>
+        <p:nvSpPr>
+          <p:cNvPr id="4" name="Блок-схема: знак завершения 3">
+            <a:extLst>
+              <a:ext uri="{FF2B5EF4-FFF2-40B4-BE49-F238E27FC236}">
+                <a16:creationId xmlns:a16="http://schemas.microsoft.com/office/drawing/2014/main" id="{67908844-61D1-BB8F-EF85-B97ED20EEFA9}"/>
+              </a:ext>
+            </a:extLst>
+          </p:cNvPr>
+          <p:cNvSpPr/>
+          <p:nvPr/>
+        </p:nvSpPr>
+        <p:spPr>
+          <a:xfrm>
+            <a:off x="513805" y="366063"/>
+            <a:ext cx="1391123" cy="901149"/>
+          </a:xfrm>
+          <a:prstGeom prst="flowChartTerminator">
+            <a:avLst/>
+          </a:prstGeom>
+        </p:spPr>
+        <p:style>
+          <a:lnRef idx="2">
+            <a:schemeClr val="accent1">
+              <a:shade val="15000"/>
+            </a:schemeClr>
+          </a:lnRef>
+          <a:fillRef idx="1">
+            <a:schemeClr val="accent1"/>
+          </a:fillRef>
+          <a:effectRef idx="0">
+            <a:schemeClr val="accent1"/>
+          </a:effectRef>
+          <a:fontRef idx="minor">
+            <a:schemeClr val="lt1"/>
+          </a:fontRef>
+        </p:style>
+        <p:txBody>
+          <a:bodyPr rtlCol="0" anchor="ctr"/>
+          <a:lstStyle/>
+          <a:p>
+            <a:pPr algn="ctr"/>
+            <a:r>
+              <a:rPr lang="en-US" sz="2400" dirty="0"/>
+              <a:t>CUBLIM</a:t>
+            </a:r>
+            <a:endParaRPr lang="ru-RU" sz="2400" dirty="0"/>
+          </a:p>
+        </p:txBody>
+      </p:sp>
+      <p:pic>
+        <p:nvPicPr>
+          <p:cNvPr id="5" name="Рисунок 4">
+            <a:extLst>
+              <a:ext uri="{FF2B5EF4-FFF2-40B4-BE49-F238E27FC236}">
+                <a16:creationId xmlns:a16="http://schemas.microsoft.com/office/drawing/2014/main" id="{924025E5-FED5-AB66-CF86-70C5A59078D8}"/>
+              </a:ext>
+            </a:extLst>
+          </p:cNvPr>
+          <p:cNvPicPr>
+            <a:picLocks noChangeAspect="1"/>
+          </p:cNvPicPr>
+          <p:nvPr/>
+        </p:nvPicPr>
+        <p:blipFill>
+          <a:blip r:embed="rId3"/>
+          <a:stretch>
+            <a:fillRect/>
+          </a:stretch>
+        </p:blipFill>
+        <p:spPr>
+          <a:xfrm>
+            <a:off x="8046408" y="312055"/>
+            <a:ext cx="1074860" cy="966654"/>
+          </a:xfrm>
+          <a:prstGeom prst="rect">
+            <a:avLst/>
+          </a:prstGeom>
+        </p:spPr>
+      </p:pic>
+    </p:spTree>
+    <p:extLst>
+      <p:ext uri="{BB962C8B-B14F-4D97-AF65-F5344CB8AC3E}">
+        <p14:creationId xmlns:p14="http://schemas.microsoft.com/office/powerpoint/2010/main" val="3974279118"/>
+      </p:ext>
+    </p:extLst>
+  </p:cSld>
+  <p:clrMapOvr>
+    <a:masterClrMapping/>
+  </p:clrMapOvr>
+</p:sld>
+</file>
+
+<file path=ppt/slides/slide5.xml><?xml version="1.0" encoding="utf-8"?>
+<p:sld xmlns:a="http://schemas.openxmlformats.org/drawingml/2006/main" xmlns:r="http://schemas.openxmlformats.org/officeDocument/2006/relationships" xmlns:p="http://schemas.openxmlformats.org/presentationml/2006/main">
+  <p:cSld>
+    <p:spTree>
+      <p:nvGrpSpPr>
+        <p:cNvPr id="1" name=""/>
+        <p:cNvGrpSpPr/>
+        <p:nvPr/>
+      </p:nvGrpSpPr>
+      <p:grpSpPr>
+        <a:xfrm>
+          <a:off x="0" y="0"/>
+          <a:ext cx="0" cy="0"/>
+          <a:chOff x="0" y="0"/>
+          <a:chExt cx="0" cy="0"/>
+        </a:xfrm>
+      </p:grpSpPr>
+      <p:sp>
+        <p:nvSpPr>
+          <p:cNvPr id="2" name="Заголовок 1">
+            <a:extLst>
+              <a:ext uri="{FF2B5EF4-FFF2-40B4-BE49-F238E27FC236}">
+                <a16:creationId xmlns:a16="http://schemas.microsoft.com/office/drawing/2014/main" id="{54AC61AF-108F-583F-257B-2A8A62211126}"/>
+              </a:ext>
+            </a:extLst>
+          </p:cNvPr>
+          <p:cNvSpPr>
+            <a:spLocks noGrp="1"/>
+          </p:cNvSpPr>
+          <p:nvPr>
+            <p:ph type="title"/>
+          </p:nvPr>
+        </p:nvSpPr>
+        <p:spPr>
+          <a:xfrm>
+            <a:off x="2480490" y="366063"/>
+            <a:ext cx="5245229" cy="722811"/>
+          </a:xfrm>
+        </p:spPr>
+        <p:txBody>
+          <a:bodyPr/>
+          <a:lstStyle/>
+          <a:p>
+            <a:pPr algn="ctr"/>
+            <a:r>
+              <a:rPr lang="ru-RU" u="sng" dirty="0"/>
+              <a:t>Скриншоты</a:t>
+            </a:r>
+          </a:p>
+        </p:txBody>
+      </p:sp>
+      <p:pic>
+        <p:nvPicPr>
+          <p:cNvPr id="7" name="Объект 6">
+            <a:extLst>
+              <a:ext uri="{FF2B5EF4-FFF2-40B4-BE49-F238E27FC236}">
+                <a16:creationId xmlns:a16="http://schemas.microsoft.com/office/drawing/2014/main" id="{B8CA7B8A-DF74-251B-6058-0EB917622162}"/>
+              </a:ext>
+            </a:extLst>
+          </p:cNvPr>
+          <p:cNvPicPr>
+            <a:picLocks noGrp="1" noChangeAspect="1"/>
+          </p:cNvPicPr>
+          <p:nvPr>
+            <p:ph idx="1"/>
+          </p:nvPr>
+        </p:nvPicPr>
+        <p:blipFill>
+          <a:blip r:embed="rId2"/>
+          <a:stretch>
+            <a:fillRect/>
+          </a:stretch>
+        </p:blipFill>
+        <p:spPr>
+          <a:xfrm>
+            <a:off x="1732887" y="1372268"/>
+            <a:ext cx="6740433" cy="5241892"/>
+          </a:xfrm>
+        </p:spPr>
+      </p:pic>
+      <p:sp>
+        <p:nvSpPr>
+          <p:cNvPr id="4" name="Блок-схема: знак завершения 3">
+            <a:extLst>
+              <a:ext uri="{FF2B5EF4-FFF2-40B4-BE49-F238E27FC236}">
+                <a16:creationId xmlns:a16="http://schemas.microsoft.com/office/drawing/2014/main" id="{67908844-61D1-BB8F-EF85-B97ED20EEFA9}"/>
+              </a:ext>
+            </a:extLst>
+          </p:cNvPr>
+          <p:cNvSpPr/>
+          <p:nvPr/>
+        </p:nvSpPr>
+        <p:spPr>
+          <a:xfrm>
+            <a:off x="513805" y="366063"/>
+            <a:ext cx="1391123" cy="901149"/>
+          </a:xfrm>
+          <a:prstGeom prst="flowChartTerminator">
+            <a:avLst/>
+          </a:prstGeom>
+        </p:spPr>
+        <p:style>
+          <a:lnRef idx="2">
+            <a:schemeClr val="accent1">
+              <a:shade val="15000"/>
+            </a:schemeClr>
+          </a:lnRef>
+          <a:fillRef idx="1">
+            <a:schemeClr val="accent1"/>
+          </a:fillRef>
+          <a:effectRef idx="0">
+            <a:schemeClr val="accent1"/>
+          </a:effectRef>
+          <a:fontRef idx="minor">
+            <a:schemeClr val="lt1"/>
+          </a:fontRef>
+        </p:style>
+        <p:txBody>
+          <a:bodyPr rtlCol="0" anchor="ctr"/>
+          <a:lstStyle/>
+          <a:p>
+            <a:pPr algn="ctr"/>
+            <a:r>
+              <a:rPr lang="en-US" sz="2400" dirty="0"/>
+              <a:t>CUBLIM</a:t>
+            </a:r>
+            <a:endParaRPr lang="ru-RU" sz="2400" dirty="0"/>
+          </a:p>
+        </p:txBody>
+      </p:sp>
+      <p:pic>
+        <p:nvPicPr>
+          <p:cNvPr id="5" name="Рисунок 4">
+            <a:extLst>
+              <a:ext uri="{FF2B5EF4-FFF2-40B4-BE49-F238E27FC236}">
+                <a16:creationId xmlns:a16="http://schemas.microsoft.com/office/drawing/2014/main" id="{924025E5-FED5-AB66-CF86-70C5A59078D8}"/>
+              </a:ext>
+            </a:extLst>
+          </p:cNvPr>
+          <p:cNvPicPr>
+            <a:picLocks noChangeAspect="1"/>
+          </p:cNvPicPr>
+          <p:nvPr/>
+        </p:nvPicPr>
+        <p:blipFill>
+          <a:blip r:embed="rId3"/>
+          <a:stretch>
+            <a:fillRect/>
+          </a:stretch>
+        </p:blipFill>
+        <p:spPr>
+          <a:xfrm>
+            <a:off x="8046408" y="312055"/>
+            <a:ext cx="1074860" cy="966654"/>
+          </a:xfrm>
+          <a:prstGeom prst="rect">
+            <a:avLst/>
+          </a:prstGeom>
+        </p:spPr>
+      </p:pic>
+    </p:spTree>
+    <p:extLst>
+      <p:ext uri="{BB962C8B-B14F-4D97-AF65-F5344CB8AC3E}">
+        <p14:creationId xmlns:p14="http://schemas.microsoft.com/office/powerpoint/2010/main" val="148190118"/>
+      </p:ext>
+    </p:extLst>
+  </p:cSld>
+  <p:clrMapOvr>
+    <a:masterClrMapping/>
+  </p:clrMapOvr>
+</p:sld>
+</file>
+
+<file path=ppt/slides/slide6.xml><?xml version="1.0" encoding="utf-8"?>
+<p:sld xmlns:a="http://schemas.openxmlformats.org/drawingml/2006/main" xmlns:r="http://schemas.openxmlformats.org/officeDocument/2006/relationships" xmlns:p="http://schemas.openxmlformats.org/presentationml/2006/main">
+  <p:cSld>
+    <p:spTree>
+      <p:nvGrpSpPr>
+        <p:cNvPr id="1" name=""/>
+        <p:cNvGrpSpPr/>
+        <p:nvPr/>
+      </p:nvGrpSpPr>
+      <p:grpSpPr>
+        <a:xfrm>
+          <a:off x="0" y="0"/>
+          <a:ext cx="0" cy="0"/>
+          <a:chOff x="0" y="0"/>
+          <a:chExt cx="0" cy="0"/>
+        </a:xfrm>
+      </p:grpSpPr>
+      <p:sp>
+        <p:nvSpPr>
+          <p:cNvPr id="2" name="Заголовок 1">
+            <a:extLst>
+              <a:ext uri="{FF2B5EF4-FFF2-40B4-BE49-F238E27FC236}">
+                <a16:creationId xmlns:a16="http://schemas.microsoft.com/office/drawing/2014/main" id="{54AC61AF-108F-583F-257B-2A8A62211126}"/>
+              </a:ext>
+            </a:extLst>
+          </p:cNvPr>
+          <p:cNvSpPr>
+            <a:spLocks noGrp="1"/>
+          </p:cNvSpPr>
+          <p:nvPr>
+            <p:ph type="title"/>
+          </p:nvPr>
+        </p:nvSpPr>
+        <p:spPr>
+          <a:xfrm>
+            <a:off x="2934561" y="366063"/>
+            <a:ext cx="4082214" cy="648903"/>
+          </a:xfrm>
+        </p:spPr>
+        <p:txBody>
+          <a:bodyPr/>
+          <a:lstStyle/>
+          <a:p>
+            <a:pPr algn="ctr"/>
+            <a:r>
+              <a:rPr lang="ru-RU" u="sng" dirty="0"/>
+              <a:t>Скриншот</a:t>
+            </a:r>
+          </a:p>
+        </p:txBody>
+      </p:sp>
+      <p:pic>
+        <p:nvPicPr>
+          <p:cNvPr id="7" name="Объект 6">
+            <a:extLst>
+              <a:ext uri="{FF2B5EF4-FFF2-40B4-BE49-F238E27FC236}">
+                <a16:creationId xmlns:a16="http://schemas.microsoft.com/office/drawing/2014/main" id="{BB782D9D-1C29-749A-EB0F-CDE72A41D903}"/>
+              </a:ext>
+            </a:extLst>
+          </p:cNvPr>
+          <p:cNvPicPr>
+            <a:picLocks noGrp="1" noChangeAspect="1"/>
+          </p:cNvPicPr>
+          <p:nvPr>
+            <p:ph idx="1"/>
+          </p:nvPr>
+        </p:nvPicPr>
+        <p:blipFill>
+          <a:blip r:embed="rId2"/>
+          <a:stretch>
+            <a:fillRect/>
+          </a:stretch>
+        </p:blipFill>
+        <p:spPr>
+          <a:xfrm>
+            <a:off x="326044" y="1402080"/>
+            <a:ext cx="9309550" cy="4728754"/>
+          </a:xfrm>
+        </p:spPr>
+      </p:pic>
+      <p:sp>
+        <p:nvSpPr>
+          <p:cNvPr id="4" name="Блок-схема: знак завершения 3">
+            <a:extLst>
+              <a:ext uri="{FF2B5EF4-FFF2-40B4-BE49-F238E27FC236}">
+                <a16:creationId xmlns:a16="http://schemas.microsoft.com/office/drawing/2014/main" id="{67908844-61D1-BB8F-EF85-B97ED20EEFA9}"/>
+              </a:ext>
+            </a:extLst>
+          </p:cNvPr>
+          <p:cNvSpPr/>
+          <p:nvPr/>
+        </p:nvSpPr>
+        <p:spPr>
+          <a:xfrm>
+            <a:off x="513805" y="366063"/>
+            <a:ext cx="1391123" cy="901149"/>
+          </a:xfrm>
+          <a:prstGeom prst="flowChartTerminator">
+            <a:avLst/>
+          </a:prstGeom>
+        </p:spPr>
+        <p:style>
+          <a:lnRef idx="2">
+            <a:schemeClr val="accent1">
+              <a:shade val="15000"/>
+            </a:schemeClr>
+          </a:lnRef>
+          <a:fillRef idx="1">
+            <a:schemeClr val="accent1"/>
+          </a:fillRef>
+          <a:effectRef idx="0">
+            <a:schemeClr val="accent1"/>
+          </a:effectRef>
+          <a:fontRef idx="minor">
+            <a:schemeClr val="lt1"/>
+          </a:fontRef>
+        </p:style>
+        <p:txBody>
+          <a:bodyPr rtlCol="0" anchor="ctr"/>
+          <a:lstStyle/>
+          <a:p>
+            <a:pPr algn="ctr"/>
+            <a:r>
+              <a:rPr lang="en-US" sz="2400" dirty="0"/>
+              <a:t>CUBLIM</a:t>
+            </a:r>
+            <a:endParaRPr lang="ru-RU" sz="2400" dirty="0"/>
+          </a:p>
+        </p:txBody>
+      </p:sp>
+      <p:pic>
+        <p:nvPicPr>
+          <p:cNvPr id="5" name="Рисунок 4">
+            <a:extLst>
+              <a:ext uri="{FF2B5EF4-FFF2-40B4-BE49-F238E27FC236}">
+                <a16:creationId xmlns:a16="http://schemas.microsoft.com/office/drawing/2014/main" id="{924025E5-FED5-AB66-CF86-70C5A59078D8}"/>
+              </a:ext>
+            </a:extLst>
+          </p:cNvPr>
+          <p:cNvPicPr>
+            <a:picLocks noChangeAspect="1"/>
+          </p:cNvPicPr>
+          <p:nvPr/>
+        </p:nvPicPr>
+        <p:blipFill>
+          <a:blip r:embed="rId3"/>
+          <a:stretch>
+            <a:fillRect/>
+          </a:stretch>
+        </p:blipFill>
+        <p:spPr>
+          <a:xfrm>
+            <a:off x="8046408" y="312055"/>
+            <a:ext cx="1074860" cy="966654"/>
+          </a:xfrm>
+          <a:prstGeom prst="rect">
+            <a:avLst/>
+          </a:prstGeom>
+        </p:spPr>
+      </p:pic>
+    </p:spTree>
+    <p:extLst>
+      <p:ext uri="{BB962C8B-B14F-4D97-AF65-F5344CB8AC3E}">
+        <p14:creationId xmlns:p14="http://schemas.microsoft.com/office/powerpoint/2010/main" val="2985109466"/>
+      </p:ext>
+    </p:extLst>
+  </p:cSld>
+  <p:clrMapOvr>
+    <a:masterClrMapping/>
+  </p:clrMapOvr>
+</p:sld>
+</file>
+
+<file path=ppt/slides/slide7.xml><?xml version="1.0" encoding="utf-8"?>
+<p:sld xmlns:a="http://schemas.openxmlformats.org/drawingml/2006/main" xmlns:r="http://schemas.openxmlformats.org/officeDocument/2006/relationships" xmlns:p="http://schemas.openxmlformats.org/presentationml/2006/main">
+  <p:cSld>
+    <p:spTree>
+      <p:nvGrpSpPr>
+        <p:cNvPr id="1" name=""/>
+        <p:cNvGrpSpPr/>
+        <p:nvPr/>
+      </p:nvGrpSpPr>
+      <p:grpSpPr>
+        <a:xfrm>
+          <a:off x="0" y="0"/>
+          <a:ext cx="0" cy="0"/>
+          <a:chOff x="0" y="0"/>
+          <a:chExt cx="0" cy="0"/>
+        </a:xfrm>
+      </p:grpSpPr>
+      <p:sp>
+        <p:nvSpPr>
+          <p:cNvPr id="2" name="Заголовок 1">
+            <a:extLst>
+              <a:ext uri="{FF2B5EF4-FFF2-40B4-BE49-F238E27FC236}">
+                <a16:creationId xmlns:a16="http://schemas.microsoft.com/office/drawing/2014/main" id="{54AC61AF-108F-583F-257B-2A8A62211126}"/>
+              </a:ext>
+            </a:extLst>
+          </p:cNvPr>
+          <p:cNvSpPr>
+            <a:spLocks noGrp="1"/>
+          </p:cNvSpPr>
+          <p:nvPr>
+            <p:ph type="title"/>
+          </p:nvPr>
+        </p:nvSpPr>
+        <p:spPr>
+          <a:xfrm>
+            <a:off x="2871274" y="366063"/>
+            <a:ext cx="4208787" cy="661548"/>
+          </a:xfrm>
+        </p:spPr>
+        <p:txBody>
+          <a:bodyPr/>
+          <a:lstStyle/>
+          <a:p>
+            <a:pPr algn="ctr"/>
+            <a:r>
+              <a:rPr lang="ru-RU" dirty="0"/>
+              <a:t>Скриншот</a:t>
+            </a:r>
+          </a:p>
+        </p:txBody>
+      </p:sp>
+      <p:pic>
+        <p:nvPicPr>
+          <p:cNvPr id="7" name="Объект 6">
+            <a:extLst>
+              <a:ext uri="{FF2B5EF4-FFF2-40B4-BE49-F238E27FC236}">
+                <a16:creationId xmlns:a16="http://schemas.microsoft.com/office/drawing/2014/main" id="{9D143ACC-84EA-BD85-B657-0C03C7236925}"/>
+              </a:ext>
+            </a:extLst>
+          </p:cNvPr>
+          <p:cNvPicPr>
+            <a:picLocks noGrp="1" noChangeAspect="1"/>
+          </p:cNvPicPr>
+          <p:nvPr>
+            <p:ph idx="1"/>
+          </p:nvPr>
+        </p:nvPicPr>
+        <p:blipFill>
+          <a:blip r:embed="rId2"/>
+          <a:stretch>
+            <a:fillRect/>
+          </a:stretch>
+        </p:blipFill>
+        <p:spPr>
+          <a:xfrm>
+            <a:off x="1899600" y="1184366"/>
+            <a:ext cx="6152133" cy="5673634"/>
+          </a:xfrm>
+        </p:spPr>
+      </p:pic>
+      <p:sp>
+        <p:nvSpPr>
+          <p:cNvPr id="4" name="Блок-схема: знак завершения 3">
+            <a:extLst>
+              <a:ext uri="{FF2B5EF4-FFF2-40B4-BE49-F238E27FC236}">
+                <a16:creationId xmlns:a16="http://schemas.microsoft.com/office/drawing/2014/main" id="{67908844-61D1-BB8F-EF85-B97ED20EEFA9}"/>
+              </a:ext>
+            </a:extLst>
+          </p:cNvPr>
+          <p:cNvSpPr/>
+          <p:nvPr/>
+        </p:nvSpPr>
+        <p:spPr>
+          <a:xfrm>
+            <a:off x="513805" y="366063"/>
+            <a:ext cx="1391123" cy="901149"/>
+          </a:xfrm>
+          <a:prstGeom prst="flowChartTerminator">
+            <a:avLst/>
+          </a:prstGeom>
+        </p:spPr>
+        <p:style>
+          <a:lnRef idx="2">
+            <a:schemeClr val="accent1">
+              <a:shade val="15000"/>
+            </a:schemeClr>
+          </a:lnRef>
+          <a:fillRef idx="1">
+            <a:schemeClr val="accent1"/>
+          </a:fillRef>
+          <a:effectRef idx="0">
+            <a:schemeClr val="accent1"/>
+          </a:effectRef>
+          <a:fontRef idx="minor">
+            <a:schemeClr val="lt1"/>
+          </a:fontRef>
+        </p:style>
+        <p:txBody>
+          <a:bodyPr rtlCol="0" anchor="ctr"/>
+          <a:lstStyle/>
+          <a:p>
+            <a:pPr algn="ctr"/>
+            <a:r>
+              <a:rPr lang="en-US" sz="2400" dirty="0"/>
+              <a:t>CUBLIM</a:t>
+            </a:r>
+            <a:endParaRPr lang="ru-RU" sz="2400" dirty="0"/>
+          </a:p>
+        </p:txBody>
+      </p:sp>
+      <p:pic>
+        <p:nvPicPr>
+          <p:cNvPr id="5" name="Рисунок 4">
+            <a:extLst>
+              <a:ext uri="{FF2B5EF4-FFF2-40B4-BE49-F238E27FC236}">
+                <a16:creationId xmlns:a16="http://schemas.microsoft.com/office/drawing/2014/main" id="{924025E5-FED5-AB66-CF86-70C5A59078D8}"/>
+              </a:ext>
+            </a:extLst>
+          </p:cNvPr>
+          <p:cNvPicPr>
+            <a:picLocks noChangeAspect="1"/>
+          </p:cNvPicPr>
+          <p:nvPr/>
+        </p:nvPicPr>
+        <p:blipFill>
+          <a:blip r:embed="rId3"/>
+          <a:stretch>
+            <a:fillRect/>
+          </a:stretch>
+        </p:blipFill>
+        <p:spPr>
+          <a:xfrm>
+            <a:off x="8046408" y="312055"/>
+            <a:ext cx="1074860" cy="966654"/>
+          </a:xfrm>
+          <a:prstGeom prst="rect">
+            <a:avLst/>
+          </a:prstGeom>
+        </p:spPr>
+      </p:pic>
+    </p:spTree>
+    <p:extLst>
+      <p:ext uri="{BB962C8B-B14F-4D97-AF65-F5344CB8AC3E}">
+        <p14:creationId xmlns:p14="http://schemas.microsoft.com/office/powerpoint/2010/main" val="622161"/>
+      </p:ext>
+    </p:extLst>
+  </p:cSld>
+  <p:clrMapOvr>
+    <a:masterClrMapping/>
+  </p:clrMapOvr>
+</p:sld>
+</file>
+
+<file path=ppt/slides/slide8.xml><?xml version="1.0" encoding="utf-8"?>
+<p:sld xmlns:a="http://schemas.openxmlformats.org/drawingml/2006/main" xmlns:r="http://schemas.openxmlformats.org/officeDocument/2006/relationships" xmlns:p="http://schemas.openxmlformats.org/presentationml/2006/main">
+  <p:cSld>
+    <p:spTree>
+      <p:nvGrpSpPr>
+        <p:cNvPr id="1" name=""/>
+        <p:cNvGrpSpPr/>
+        <p:nvPr/>
+      </p:nvGrpSpPr>
+      <p:grpSpPr>
+        <a:xfrm>
+          <a:off x="0" y="0"/>
+          <a:ext cx="0" cy="0"/>
+          <a:chOff x="0" y="0"/>
+          <a:chExt cx="0" cy="0"/>
+        </a:xfrm>
+      </p:grpSpPr>
+      <p:sp>
+        <p:nvSpPr>
+          <p:cNvPr id="2" name="Заголовок 1">
+            <a:extLst>
+              <a:ext uri="{FF2B5EF4-FFF2-40B4-BE49-F238E27FC236}">
+                <a16:creationId xmlns:a16="http://schemas.microsoft.com/office/drawing/2014/main" id="{54AC61AF-108F-583F-257B-2A8A62211126}"/>
+              </a:ext>
+            </a:extLst>
+          </p:cNvPr>
+          <p:cNvSpPr>
+            <a:spLocks noGrp="1"/>
+          </p:cNvSpPr>
+          <p:nvPr>
+            <p:ph type="title"/>
+          </p:nvPr>
+        </p:nvSpPr>
+        <p:spPr>
+          <a:xfrm>
+            <a:off x="2510175" y="366063"/>
+            <a:ext cx="4930986" cy="748937"/>
+          </a:xfrm>
+        </p:spPr>
+        <p:txBody>
+          <a:bodyPr/>
+          <a:lstStyle/>
+          <a:p>
+            <a:pPr algn="ctr"/>
+            <a:r>
+              <a:rPr lang="ru-RU" u="sng" dirty="0"/>
+              <a:t>Скриншот в </a:t>
+            </a:r>
+            <a:r>
+              <a:rPr lang="en-US" u="sng" dirty="0"/>
+              <a:t>db.sqite3</a:t>
+            </a:r>
+            <a:endParaRPr lang="ru-RU" u="sng" dirty="0"/>
+          </a:p>
+        </p:txBody>
+      </p:sp>
+      <p:pic>
+        <p:nvPicPr>
+          <p:cNvPr id="7" name="Объект 6">
+            <a:extLst>
+              <a:ext uri="{FF2B5EF4-FFF2-40B4-BE49-F238E27FC236}">
+                <a16:creationId xmlns:a16="http://schemas.microsoft.com/office/drawing/2014/main" id="{D68430B5-20D4-2480-FD45-2DA69E6A2725}"/>
+              </a:ext>
+            </a:extLst>
+          </p:cNvPr>
+          <p:cNvPicPr>
+            <a:picLocks noGrp="1" noChangeAspect="1"/>
+          </p:cNvPicPr>
+          <p:nvPr>
+            <p:ph idx="1"/>
+          </p:nvPr>
+        </p:nvPicPr>
+        <p:blipFill>
+          <a:blip r:embed="rId2"/>
+          <a:stretch>
+            <a:fillRect/>
+          </a:stretch>
+        </p:blipFill>
+        <p:spPr>
+          <a:xfrm>
+            <a:off x="740229" y="1804434"/>
+            <a:ext cx="8179304" cy="4435257"/>
+          </a:xfrm>
+        </p:spPr>
+      </p:pic>
+      <p:sp>
+        <p:nvSpPr>
+          <p:cNvPr id="4" name="Блок-схема: знак завершения 3">
+            <a:extLst>
+              <a:ext uri="{FF2B5EF4-FFF2-40B4-BE49-F238E27FC236}">
+                <a16:creationId xmlns:a16="http://schemas.microsoft.com/office/drawing/2014/main" id="{67908844-61D1-BB8F-EF85-B97ED20EEFA9}"/>
+              </a:ext>
+            </a:extLst>
+          </p:cNvPr>
+          <p:cNvSpPr/>
+          <p:nvPr/>
+        </p:nvSpPr>
+        <p:spPr>
+          <a:xfrm>
+            <a:off x="513805" y="366063"/>
+            <a:ext cx="1391123" cy="901149"/>
+          </a:xfrm>
+          <a:prstGeom prst="flowChartTerminator">
+            <a:avLst/>
+          </a:prstGeom>
+        </p:spPr>
+        <p:style>
+          <a:lnRef idx="2">
+            <a:schemeClr val="accent1">
+              <a:shade val="15000"/>
+            </a:schemeClr>
+          </a:lnRef>
+          <a:fillRef idx="1">
+            <a:schemeClr val="accent1"/>
+          </a:fillRef>
+          <a:effectRef idx="0">
+            <a:schemeClr val="accent1"/>
+          </a:effectRef>
+          <a:fontRef idx="minor">
+            <a:schemeClr val="lt1"/>
+          </a:fontRef>
+        </p:style>
+        <p:txBody>
+          <a:bodyPr rtlCol="0" anchor="ctr"/>
+          <a:lstStyle/>
+          <a:p>
+            <a:pPr algn="ctr"/>
+            <a:r>
+              <a:rPr lang="en-US" sz="2400" dirty="0"/>
+              <a:t>CUBLIM</a:t>
+            </a:r>
+            <a:endParaRPr lang="ru-RU" sz="2400" dirty="0"/>
+          </a:p>
+        </p:txBody>
+      </p:sp>
+      <p:pic>
+        <p:nvPicPr>
+          <p:cNvPr id="5" name="Рисунок 4">
+            <a:extLst>
+              <a:ext uri="{FF2B5EF4-FFF2-40B4-BE49-F238E27FC236}">
+                <a16:creationId xmlns:a16="http://schemas.microsoft.com/office/drawing/2014/main" id="{924025E5-FED5-AB66-CF86-70C5A59078D8}"/>
+              </a:ext>
+            </a:extLst>
+          </p:cNvPr>
+          <p:cNvPicPr>
+            <a:picLocks noChangeAspect="1"/>
+          </p:cNvPicPr>
+          <p:nvPr/>
+        </p:nvPicPr>
+        <p:blipFill>
+          <a:blip r:embed="rId3"/>
+          <a:stretch>
+            <a:fillRect/>
+          </a:stretch>
+        </p:blipFill>
+        <p:spPr>
+          <a:xfrm>
+            <a:off x="8046408" y="312055"/>
+            <a:ext cx="1074860" cy="966654"/>
+          </a:xfrm>
+          <a:prstGeom prst="rect">
+            <a:avLst/>
+          </a:prstGeom>
+        </p:spPr>
+      </p:pic>
+    </p:spTree>
+    <p:extLst>
+      <p:ext uri="{BB962C8B-B14F-4D97-AF65-F5344CB8AC3E}">
+        <p14:creationId xmlns:p14="http://schemas.microsoft.com/office/powerpoint/2010/main" val="2613478915"/>
+      </p:ext>
+    </p:extLst>
+  </p:cSld>
+  <p:clrMapOvr>
+    <a:masterClrMapping/>
+  </p:clrMapOvr>
+</p:sld>
+</file>
+
+<file path=ppt/slides/slide9.xml><?xml version="1.0" encoding="utf-8"?>
+<p:sld xmlns:a="http://schemas.openxmlformats.org/drawingml/2006/main" xmlns:r="http://schemas.openxmlformats.org/officeDocument/2006/relationships" xmlns:p="http://schemas.openxmlformats.org/presentationml/2006/main">
+  <p:cSld>
+    <p:spTree>
+      <p:nvGrpSpPr>
+        <p:cNvPr id="1" name=""/>
+        <p:cNvGrpSpPr/>
+        <p:nvPr/>
+      </p:nvGrpSpPr>
+      <p:grpSpPr>
+        <a:xfrm>
+          <a:off x="0" y="0"/>
+          <a:ext cx="0" cy="0"/>
+          <a:chOff x="0" y="0"/>
+          <a:chExt cx="0" cy="0"/>
+        </a:xfrm>
+      </p:grpSpPr>
+      <p:sp>
+        <p:nvSpPr>
+          <p:cNvPr id="2" name="Заголовок 1">
+            <a:extLst>
+              <a:ext uri="{FF2B5EF4-FFF2-40B4-BE49-F238E27FC236}">
+                <a16:creationId xmlns:a16="http://schemas.microsoft.com/office/drawing/2014/main" id="{54AC61AF-108F-583F-257B-2A8A62211126}"/>
+              </a:ext>
+            </a:extLst>
+          </p:cNvPr>
+          <p:cNvSpPr>
+            <a:spLocks noGrp="1"/>
+          </p:cNvSpPr>
+          <p:nvPr>
+            <p:ph type="title"/>
+          </p:nvPr>
+        </p:nvSpPr>
+        <p:spPr>
+          <a:xfrm>
+            <a:off x="2510175" y="366063"/>
+            <a:ext cx="4930986" cy="1175657"/>
+          </a:xfrm>
+        </p:spPr>
+        <p:txBody>
+          <a:bodyPr>
+            <a:normAutofit fontScale="90000"/>
+          </a:bodyPr>
+          <a:lstStyle/>
+          <a:p>
+            <a:pPr algn="ctr"/>
+            <a:r>
+              <a:rPr lang="ru-RU" u="sng" dirty="0"/>
+              <a:t>Используемые технологии</a:t>
+            </a:r>
+          </a:p>
+        </p:txBody>
+      </p:sp>
+      <p:pic>
+        <p:nvPicPr>
+          <p:cNvPr id="7" name="Объект 6">
+            <a:extLst>
+              <a:ext uri="{FF2B5EF4-FFF2-40B4-BE49-F238E27FC236}">
+                <a16:creationId xmlns:a16="http://schemas.microsoft.com/office/drawing/2014/main" id="{B14465C8-450E-35A0-E7EF-E28D14CBB5A3}"/>
+              </a:ext>
+            </a:extLst>
+          </p:cNvPr>
+          <p:cNvPicPr>
+            <a:picLocks noGrp="1" noChangeAspect="1"/>
+          </p:cNvPicPr>
+          <p:nvPr>
+            <p:ph idx="1"/>
+          </p:nvPr>
+        </p:nvPicPr>
+        <p:blipFill>
+          <a:blip r:embed="rId2"/>
+          <a:stretch>
+            <a:fillRect/>
+          </a:stretch>
+        </p:blipFill>
+        <p:spPr>
+          <a:xfrm>
+            <a:off x="736713" y="4433137"/>
+            <a:ext cx="2197962" cy="2197962"/>
+          </a:xfrm>
+        </p:spPr>
+      </p:pic>
+      <p:sp>
+        <p:nvSpPr>
+          <p:cNvPr id="4" name="Блок-схема: знак завершения 3">
+            <a:extLst>
+              <a:ext uri="{FF2B5EF4-FFF2-40B4-BE49-F238E27FC236}">
+                <a16:creationId xmlns:a16="http://schemas.microsoft.com/office/drawing/2014/main" id="{67908844-61D1-BB8F-EF85-B97ED20EEFA9}"/>
+              </a:ext>
+            </a:extLst>
+          </p:cNvPr>
+          <p:cNvSpPr/>
+          <p:nvPr/>
+        </p:nvSpPr>
+        <p:spPr>
+          <a:xfrm>
+            <a:off x="513805" y="366063"/>
+            <a:ext cx="1391123" cy="901149"/>
+          </a:xfrm>
+          <a:prstGeom prst="flowChartTerminator">
+            <a:avLst/>
+          </a:prstGeom>
+        </p:spPr>
+        <p:style>
+          <a:lnRef idx="2">
+            <a:schemeClr val="accent1">
+              <a:shade val="15000"/>
+            </a:schemeClr>
+          </a:lnRef>
+          <a:fillRef idx="1">
+            <a:schemeClr val="accent1"/>
+          </a:fillRef>
+          <a:effectRef idx="0">
+            <a:schemeClr val="accent1"/>
+          </a:effectRef>
+          <a:fontRef idx="minor">
+            <a:schemeClr val="lt1"/>
+          </a:fontRef>
+        </p:style>
+        <p:txBody>
+          <a:bodyPr rtlCol="0" anchor="ctr"/>
+          <a:lstStyle/>
+          <a:p>
+            <a:pPr algn="ctr"/>
+            <a:r>
+              <a:rPr lang="en-US" sz="2400" dirty="0"/>
+              <a:t>CUBLIM</a:t>
+            </a:r>
+            <a:endParaRPr lang="ru-RU" sz="2400" dirty="0"/>
+          </a:p>
+        </p:txBody>
+      </p:sp>
+      <p:pic>
+        <p:nvPicPr>
+          <p:cNvPr id="5" name="Рисунок 4">
+            <a:extLst>
+              <a:ext uri="{FF2B5EF4-FFF2-40B4-BE49-F238E27FC236}">
+                <a16:creationId xmlns:a16="http://schemas.microsoft.com/office/drawing/2014/main" id="{924025E5-FED5-AB66-CF86-70C5A59078D8}"/>
+              </a:ext>
+            </a:extLst>
+          </p:cNvPr>
+          <p:cNvPicPr>
+            <a:picLocks noChangeAspect="1"/>
+          </p:cNvPicPr>
+          <p:nvPr/>
+        </p:nvPicPr>
+        <p:blipFill>
+          <a:blip r:embed="rId3"/>
+          <a:stretch>
+            <a:fillRect/>
+          </a:stretch>
+        </p:blipFill>
+        <p:spPr>
+          <a:xfrm>
+            <a:off x="8046408" y="312055"/>
+            <a:ext cx="1074860" cy="966654"/>
+          </a:xfrm>
+          <a:prstGeom prst="rect">
+            <a:avLst/>
+          </a:prstGeom>
+        </p:spPr>
+      </p:pic>
+      <p:pic>
+        <p:nvPicPr>
+          <p:cNvPr id="9" name="Рисунок 8">
+            <a:extLst>
+              <a:ext uri="{FF2B5EF4-FFF2-40B4-BE49-F238E27FC236}">
+                <a16:creationId xmlns:a16="http://schemas.microsoft.com/office/drawing/2014/main" id="{AC34C94C-F772-3CC8-6D80-DC35D975FB08}"/>
+              </a:ext>
+            </a:extLst>
+          </p:cNvPr>
+          <p:cNvPicPr>
+            <a:picLocks noChangeAspect="1"/>
+          </p:cNvPicPr>
+          <p:nvPr/>
+        </p:nvPicPr>
+        <p:blipFill>
+          <a:blip r:embed="rId4"/>
+          <a:stretch>
+            <a:fillRect/>
+          </a:stretch>
+        </p:blipFill>
+        <p:spPr>
+          <a:xfrm>
+            <a:off x="1102804" y="1541720"/>
+            <a:ext cx="2814741" cy="2814741"/>
+          </a:xfrm>
+          <a:prstGeom prst="rect">
+            <a:avLst/>
+          </a:prstGeom>
+        </p:spPr>
+      </p:pic>
+      <p:pic>
+        <p:nvPicPr>
+          <p:cNvPr id="13" name="Рисунок 12">
+            <a:extLst>
+              <a:ext uri="{FF2B5EF4-FFF2-40B4-BE49-F238E27FC236}">
+                <a16:creationId xmlns:a16="http://schemas.microsoft.com/office/drawing/2014/main" id="{2EE0493D-0B3D-0A5C-7589-FE98D88F5427}"/>
+              </a:ext>
+            </a:extLst>
+          </p:cNvPr>
+          <p:cNvPicPr>
+            <a:picLocks noChangeAspect="1"/>
+          </p:cNvPicPr>
+          <p:nvPr/>
+        </p:nvPicPr>
+        <p:blipFill>
+          <a:blip r:embed="rId5"/>
+          <a:stretch>
+            <a:fillRect/>
+          </a:stretch>
+        </p:blipFill>
+        <p:spPr>
+          <a:xfrm>
+            <a:off x="5903489" y="1542671"/>
+            <a:ext cx="2846449" cy="2846449"/>
+          </a:xfrm>
+          <a:prstGeom prst="rect">
+            <a:avLst/>
+          </a:prstGeom>
+        </p:spPr>
+      </p:pic>
+      <p:pic>
+        <p:nvPicPr>
+          <p:cNvPr id="1028" name="Picture 4">
+            <a:extLst>
+              <a:ext uri="{FF2B5EF4-FFF2-40B4-BE49-F238E27FC236}">
+                <a16:creationId xmlns:a16="http://schemas.microsoft.com/office/drawing/2014/main" id="{F67A5837-EAFC-8965-6A5F-3F3E735CB601}"/>
+              </a:ext>
+            </a:extLst>
+          </p:cNvPr>
+          <p:cNvPicPr>
+            <a:picLocks noChangeAspect="1" noChangeArrowheads="1"/>
+          </p:cNvPicPr>
+          <p:nvPr/>
+        </p:nvPicPr>
+        <p:blipFill>
+          <a:blip r:embed="rId6">
+            <a:extLst>
+              <a:ext uri="{28A0092B-C50C-407E-A947-70E740481C1C}">
+                <a14:useLocalDpi xmlns:a14="http://schemas.microsoft.com/office/drawing/2010/main" val="0"/>
+              </a:ext>
+            </a:extLst>
+          </a:blip>
+          <a:srcRect/>
+          <a:stretch>
+            <a:fillRect/>
+          </a:stretch>
+        </p:blipFill>
+        <p:spPr bwMode="auto">
+          <a:xfrm>
+            <a:off x="5216469" y="4861294"/>
+            <a:ext cx="4220487" cy="1630643"/>
+          </a:xfrm>
+          <a:prstGeom prst="rect">
+            <a:avLst/>
+          </a:prstGeom>
+          <a:noFill/>
+          <a:extLst>
+            <a:ext uri="{909E8E84-426E-40DD-AFC4-6F175D3DCCD1}">
+              <a14:hiddenFill xmlns:a14="http://schemas.microsoft.com/office/drawing/2010/main">
+                <a:solidFill>
+                  <a:srgbClr val="FFFFFF"/>
+                </a:solidFill>
+              </a14:hiddenFill>
+            </a:ext>
+          </a:extLst>
+        </p:spPr>
+      </p:pic>
+      <p:pic>
+        <p:nvPicPr>
+          <p:cNvPr id="1032" name="Picture 8">
+            <a:extLst>
+              <a:ext uri="{FF2B5EF4-FFF2-40B4-BE49-F238E27FC236}">
+                <a16:creationId xmlns:a16="http://schemas.microsoft.com/office/drawing/2014/main" id="{299BFAF4-1E00-08B7-BF12-4B87F468086B}"/>
+              </a:ext>
+            </a:extLst>
+          </p:cNvPr>
+          <p:cNvPicPr>
+            <a:picLocks noChangeAspect="1" noChangeArrowheads="1"/>
+          </p:cNvPicPr>
+          <p:nvPr/>
+        </p:nvPicPr>
+        <p:blipFill>
+          <a:blip r:embed="rId7">
+            <a:extLst>
+              <a:ext uri="{28A0092B-C50C-407E-A947-70E740481C1C}">
+                <a14:useLocalDpi xmlns:a14="http://schemas.microsoft.com/office/drawing/2010/main" val="0"/>
+              </a:ext>
+            </a:extLst>
+          </a:blip>
+          <a:srcRect/>
+          <a:stretch>
+            <a:fillRect/>
+          </a:stretch>
+        </p:blipFill>
+        <p:spPr bwMode="auto">
+          <a:xfrm>
+            <a:off x="2934675" y="4978105"/>
+            <a:ext cx="1938702" cy="1292468"/>
+          </a:xfrm>
+          <a:prstGeom prst="rect">
+            <a:avLst/>
+          </a:prstGeom>
+          <a:noFill/>
+          <a:extLst>
+            <a:ext uri="{909E8E84-426E-40DD-AFC4-6F175D3DCCD1}">
+              <a14:hiddenFill xmlns:a14="http://schemas.microsoft.com/office/drawing/2010/main">
+                <a:solidFill>
+                  <a:srgbClr val="FFFFFF"/>
+                </a:solidFill>
+              </a14:hiddenFill>
+            </a:ext>
+          </a:extLst>
+        </p:spPr>
+      </p:pic>
+    </p:spTree>
+    <p:extLst>
+      <p:ext uri="{BB962C8B-B14F-4D97-AF65-F5344CB8AC3E}">
+        <p14:creationId xmlns:p14="http://schemas.microsoft.com/office/powerpoint/2010/main" val="3603644686"/>
       </p:ext>
     </p:extLst>
   </p:cSld>
